--- a/docs/songs_2022-05-22.pptx
+++ b/docs/songs_2022-05-22.pptx
@@ -3651,7 +3651,7 @@
                   <a:schemeClr val="bg1"/>
                 </a:solidFill>
               </a:rPr>
-              <a:t>15-05-2022</a:t>
+              <a:t>22-05-2022</a:t>
             </a:r>
           </a:p>
         </p:txBody>
